--- a/Презентация по производственной практике.pptx
+++ b/Презентация по производственной практике.pptx
@@ -297,7 +297,7 @@
           <a:p>
             <a:fld id="{A97F0FA2-7EBE-44DE-8B42-0A69B6F070A6}" type="datetimeFigureOut">
               <a:rPr lang="ru-RU" smtClean="0"/>
-              <a:t>20.12.2023</a:t>
+              <a:t>21.12.2023</a:t>
             </a:fld>
             <a:endParaRPr lang="ru-RU"/>
           </a:p>
@@ -630,7 +630,7 @@
           <a:p>
             <a:fld id="{A97F0FA2-7EBE-44DE-8B42-0A69B6F070A6}" type="datetimeFigureOut">
               <a:rPr lang="ru-RU" smtClean="0"/>
-              <a:t>20.12.2023</a:t>
+              <a:t>21.12.2023</a:t>
             </a:fld>
             <a:endParaRPr lang="ru-RU"/>
           </a:p>
@@ -813,7 +813,7 @@
           <a:p>
             <a:fld id="{A97F0FA2-7EBE-44DE-8B42-0A69B6F070A6}" type="datetimeFigureOut">
               <a:rPr lang="ru-RU" smtClean="0"/>
-              <a:t>20.12.2023</a:t>
+              <a:t>21.12.2023</a:t>
             </a:fld>
             <a:endParaRPr lang="ru-RU"/>
           </a:p>
@@ -986,7 +986,7 @@
           <a:p>
             <a:fld id="{A97F0FA2-7EBE-44DE-8B42-0A69B6F070A6}" type="datetimeFigureOut">
               <a:rPr lang="ru-RU" smtClean="0"/>
-              <a:t>20.12.2023</a:t>
+              <a:t>21.12.2023</a:t>
             </a:fld>
             <a:endParaRPr lang="ru-RU"/>
           </a:p>
@@ -1261,7 +1261,7 @@
           <a:p>
             <a:fld id="{A97F0FA2-7EBE-44DE-8B42-0A69B6F070A6}" type="datetimeFigureOut">
               <a:rPr lang="ru-RU" smtClean="0"/>
-              <a:t>20.12.2023</a:t>
+              <a:t>21.12.2023</a:t>
             </a:fld>
             <a:endParaRPr lang="ru-RU"/>
           </a:p>
@@ -1658,7 +1658,7 @@
           <a:p>
             <a:fld id="{A97F0FA2-7EBE-44DE-8B42-0A69B6F070A6}" type="datetimeFigureOut">
               <a:rPr lang="ru-RU" smtClean="0"/>
-              <a:t>20.12.2023</a:t>
+              <a:t>21.12.2023</a:t>
             </a:fld>
             <a:endParaRPr lang="ru-RU"/>
           </a:p>
@@ -2138,7 +2138,7 @@
           <a:p>
             <a:fld id="{A97F0FA2-7EBE-44DE-8B42-0A69B6F070A6}" type="datetimeFigureOut">
               <a:rPr lang="ru-RU" smtClean="0"/>
-              <a:t>20.12.2023</a:t>
+              <a:t>21.12.2023</a:t>
             </a:fld>
             <a:endParaRPr lang="ru-RU"/>
           </a:p>
@@ -2259,7 +2259,7 @@
           <a:p>
             <a:fld id="{A97F0FA2-7EBE-44DE-8B42-0A69B6F070A6}" type="datetimeFigureOut">
               <a:rPr lang="ru-RU" smtClean="0"/>
-              <a:t>20.12.2023</a:t>
+              <a:t>21.12.2023</a:t>
             </a:fld>
             <a:endParaRPr lang="ru-RU"/>
           </a:p>
@@ -2357,7 +2357,7 @@
           <a:p>
             <a:fld id="{A97F0FA2-7EBE-44DE-8B42-0A69B6F070A6}" type="datetimeFigureOut">
               <a:rPr lang="ru-RU" smtClean="0"/>
-              <a:t>20.12.2023</a:t>
+              <a:t>21.12.2023</a:t>
             </a:fld>
             <a:endParaRPr lang="ru-RU"/>
           </a:p>
@@ -2706,7 +2706,7 @@
           <a:p>
             <a:fld id="{A97F0FA2-7EBE-44DE-8B42-0A69B6F070A6}" type="datetimeFigureOut">
               <a:rPr lang="ru-RU" smtClean="0"/>
-              <a:t>20.12.2023</a:t>
+              <a:t>21.12.2023</a:t>
             </a:fld>
             <a:endParaRPr lang="ru-RU"/>
           </a:p>
@@ -3097,7 +3097,7 @@
           <a:p>
             <a:fld id="{A97F0FA2-7EBE-44DE-8B42-0A69B6F070A6}" type="datetimeFigureOut">
               <a:rPr lang="ru-RU" smtClean="0"/>
-              <a:t>20.12.2023</a:t>
+              <a:t>21.12.2023</a:t>
             </a:fld>
             <a:endParaRPr lang="ru-RU"/>
           </a:p>
@@ -3375,7 +3375,7 @@
           <a:p>
             <a:fld id="{A97F0FA2-7EBE-44DE-8B42-0A69B6F070A6}" type="datetimeFigureOut">
               <a:rPr lang="ru-RU" smtClean="0"/>
-              <a:t>20.12.2023</a:t>
+              <a:t>21.12.2023</a:t>
             </a:fld>
             <a:endParaRPr lang="ru-RU"/>
           </a:p>
@@ -4300,13 +4300,13 @@
   <p:clrMapOvr>
     <a:masterClrMapping/>
   </p:clrMapOvr>
-  <mc:AlternateContent xmlns:mc="http://schemas.openxmlformats.org/markup-compatibility/2006" xmlns:p14="http://schemas.microsoft.com/office/powerpoint/2010/main">
-    <mc:Choice Requires="p14">
+  <mc:AlternateContent xmlns:mc="http://schemas.openxmlformats.org/markup-compatibility/2006">
+    <mc:Choice xmlns:p14="http://schemas.microsoft.com/office/powerpoint/2010/main" Requires="p14">
       <p:transition spd="med" p14:dur="700">
         <p:fade/>
       </p:transition>
     </mc:Choice>
-    <mc:Fallback xmlns="">
+    <mc:Fallback>
       <p:transition spd="med">
         <p:fade/>
       </p:transition>
@@ -4611,7 +4611,7 @@
         </p:blipFill>
         <p:spPr>
           <a:xfrm>
-            <a:off x="2524414" y="1637531"/>
+            <a:off x="2515705" y="1319371"/>
             <a:ext cx="7626584" cy="4219258"/>
           </a:xfrm>
           <a:prstGeom prst="rect">
@@ -5285,18 +5285,9 @@
   <p:clrMapOvr>
     <a:masterClrMapping/>
   </p:clrMapOvr>
-  <mc:AlternateContent xmlns:mc="http://schemas.openxmlformats.org/markup-compatibility/2006" xmlns:p14="http://schemas.microsoft.com/office/powerpoint/2010/main">
-    <mc:Choice Requires="p14">
-      <p:transition spd="med" p14:dur="700">
-        <p:fade/>
-      </p:transition>
-    </mc:Choice>
-    <mc:Fallback xmlns="">
-      <p:transition spd="med">
-        <p:fade/>
-      </p:transition>
-    </mc:Fallback>
-  </mc:AlternateContent>
+  <p:transition spd="slow">
+    <p:push dir="u"/>
+  </p:transition>
 </p:sld>
 </file>
 
@@ -5499,223 +5490,6 @@
   <p:transition spd="slow">
     <p:push dir="u"/>
   </p:transition>
-  <p:timing>
-    <p:tnLst>
-      <p:par>
-        <p:cTn id="1" dur="indefinite" restart="never" nodeType="tmRoot">
-          <p:childTnLst>
-            <p:seq concurrent="1" nextAc="seek">
-              <p:cTn id="2" dur="indefinite" nodeType="mainSeq">
-                <p:childTnLst>
-                  <p:par>
-                    <p:cTn id="3" fill="hold">
-                      <p:stCondLst>
-                        <p:cond delay="indefinite"/>
-                        <p:cond evt="onBegin" delay="0">
-                          <p:tn val="2"/>
-                        </p:cond>
-                      </p:stCondLst>
-                      <p:childTnLst>
-                        <p:par>
-                          <p:cTn id="4" fill="hold">
-                            <p:stCondLst>
-                              <p:cond delay="0"/>
-                            </p:stCondLst>
-                            <p:childTnLst>
-                              <p:par>
-                                <p:cTn id="5" presetID="42" presetClass="entr" presetSubtype="0" fill="hold" grpId="0" nodeType="afterEffect">
-                                  <p:stCondLst>
-                                    <p:cond delay="0"/>
-                                  </p:stCondLst>
-                                  <p:childTnLst>
-                                    <p:set>
-                                      <p:cBhvr>
-                                        <p:cTn id="6" dur="1" fill="hold">
-                                          <p:stCondLst>
-                                            <p:cond delay="0"/>
-                                          </p:stCondLst>
-                                        </p:cTn>
-                                        <p:tgtEl>
-                                          <p:spTgt spid="5"/>
-                                        </p:tgtEl>
-                                        <p:attrNameLst>
-                                          <p:attrName>style.visibility</p:attrName>
-                                        </p:attrNameLst>
-                                      </p:cBhvr>
-                                      <p:to>
-                                        <p:strVal val="visible"/>
-                                      </p:to>
-                                    </p:set>
-                                    <p:animEffect transition="in" filter="fade">
-                                      <p:cBhvr>
-                                        <p:cTn id="7" dur="1000"/>
-                                        <p:tgtEl>
-                                          <p:spTgt spid="5"/>
-                                        </p:tgtEl>
-                                      </p:cBhvr>
-                                    </p:animEffect>
-                                    <p:anim calcmode="lin" valueType="num">
-                                      <p:cBhvr>
-                                        <p:cTn id="8" dur="1000" fill="hold"/>
-                                        <p:tgtEl>
-                                          <p:spTgt spid="5"/>
-                                        </p:tgtEl>
-                                        <p:attrNameLst>
-                                          <p:attrName>ppt_x</p:attrName>
-                                        </p:attrNameLst>
-                                      </p:cBhvr>
-                                      <p:tavLst>
-                                        <p:tav tm="0">
-                                          <p:val>
-                                            <p:strVal val="#ppt_x"/>
-                                          </p:val>
-                                        </p:tav>
-                                        <p:tav tm="100000">
-                                          <p:val>
-                                            <p:strVal val="#ppt_x"/>
-                                          </p:val>
-                                        </p:tav>
-                                      </p:tavLst>
-                                    </p:anim>
-                                    <p:anim calcmode="lin" valueType="num">
-                                      <p:cBhvr>
-                                        <p:cTn id="9" dur="1000" fill="hold"/>
-                                        <p:tgtEl>
-                                          <p:spTgt spid="5"/>
-                                        </p:tgtEl>
-                                        <p:attrNameLst>
-                                          <p:attrName>ppt_y</p:attrName>
-                                        </p:attrNameLst>
-                                      </p:cBhvr>
-                                      <p:tavLst>
-                                        <p:tav tm="0">
-                                          <p:val>
-                                            <p:strVal val="#ppt_y+.1"/>
-                                          </p:val>
-                                        </p:tav>
-                                        <p:tav tm="100000">
-                                          <p:val>
-                                            <p:strVal val="#ppt_y"/>
-                                          </p:val>
-                                        </p:tav>
-                                      </p:tavLst>
-                                    </p:anim>
-                                  </p:childTnLst>
-                                </p:cTn>
-                              </p:par>
-                              <p:par>
-                                <p:cTn id="10" presetID="42" presetClass="entr" presetSubtype="0" fill="hold" grpId="0" nodeType="withEffect">
-                                  <p:stCondLst>
-                                    <p:cond delay="0"/>
-                                  </p:stCondLst>
-                                  <p:childTnLst>
-                                    <p:set>
-                                      <p:cBhvr>
-                                        <p:cTn id="11" dur="1" fill="hold">
-                                          <p:stCondLst>
-                                            <p:cond delay="0"/>
-                                          </p:stCondLst>
-                                        </p:cTn>
-                                        <p:tgtEl>
-                                          <p:spTgt spid="6"/>
-                                        </p:tgtEl>
-                                        <p:attrNameLst>
-                                          <p:attrName>style.visibility</p:attrName>
-                                        </p:attrNameLst>
-                                      </p:cBhvr>
-                                      <p:to>
-                                        <p:strVal val="visible"/>
-                                      </p:to>
-                                    </p:set>
-                                    <p:animEffect transition="in" filter="fade">
-                                      <p:cBhvr>
-                                        <p:cTn id="12" dur="1000"/>
-                                        <p:tgtEl>
-                                          <p:spTgt spid="6"/>
-                                        </p:tgtEl>
-                                      </p:cBhvr>
-                                    </p:animEffect>
-                                    <p:anim calcmode="lin" valueType="num">
-                                      <p:cBhvr>
-                                        <p:cTn id="13" dur="1000" fill="hold"/>
-                                        <p:tgtEl>
-                                          <p:spTgt spid="6"/>
-                                        </p:tgtEl>
-                                        <p:attrNameLst>
-                                          <p:attrName>ppt_x</p:attrName>
-                                        </p:attrNameLst>
-                                      </p:cBhvr>
-                                      <p:tavLst>
-                                        <p:tav tm="0">
-                                          <p:val>
-                                            <p:strVal val="#ppt_x"/>
-                                          </p:val>
-                                        </p:tav>
-                                        <p:tav tm="100000">
-                                          <p:val>
-                                            <p:strVal val="#ppt_x"/>
-                                          </p:val>
-                                        </p:tav>
-                                      </p:tavLst>
-                                    </p:anim>
-                                    <p:anim calcmode="lin" valueType="num">
-                                      <p:cBhvr>
-                                        <p:cTn id="14" dur="1000" fill="hold"/>
-                                        <p:tgtEl>
-                                          <p:spTgt spid="6"/>
-                                        </p:tgtEl>
-                                        <p:attrNameLst>
-                                          <p:attrName>ppt_y</p:attrName>
-                                        </p:attrNameLst>
-                                      </p:cBhvr>
-                                      <p:tavLst>
-                                        <p:tav tm="0">
-                                          <p:val>
-                                            <p:strVal val="#ppt_y+.1"/>
-                                          </p:val>
-                                        </p:tav>
-                                        <p:tav tm="100000">
-                                          <p:val>
-                                            <p:strVal val="#ppt_y"/>
-                                          </p:val>
-                                        </p:tav>
-                                      </p:tavLst>
-                                    </p:anim>
-                                  </p:childTnLst>
-                                </p:cTn>
-                              </p:par>
-                            </p:childTnLst>
-                          </p:cTn>
-                        </p:par>
-                      </p:childTnLst>
-                    </p:cTn>
-                  </p:par>
-                </p:childTnLst>
-              </p:cTn>
-              <p:prevCondLst>
-                <p:cond evt="onPrev" delay="0">
-                  <p:tgtEl>
-                    <p:sldTgt/>
-                  </p:tgtEl>
-                </p:cond>
-              </p:prevCondLst>
-              <p:nextCondLst>
-                <p:cond evt="onNext" delay="0">
-                  <p:tgtEl>
-                    <p:sldTgt/>
-                  </p:tgtEl>
-                </p:cond>
-              </p:nextCondLst>
-            </p:seq>
-          </p:childTnLst>
-        </p:cTn>
-      </p:par>
-    </p:tnLst>
-    <p:bldLst>
-      <p:bldP spid="5" grpId="0"/>
-      <p:bldP spid="6" grpId="0"/>
-    </p:bldLst>
-  </p:timing>
 </p:sld>
 </file>
 
@@ -6016,222 +5790,6 @@
   <p:transition spd="slow">
     <p:push dir="u"/>
   </p:transition>
-  <p:timing>
-    <p:tnLst>
-      <p:par>
-        <p:cTn id="1" dur="indefinite" restart="never" nodeType="tmRoot">
-          <p:childTnLst>
-            <p:seq concurrent="1" nextAc="seek">
-              <p:cTn id="2" dur="indefinite" nodeType="mainSeq">
-                <p:childTnLst>
-                  <p:par>
-                    <p:cTn id="3" fill="hold">
-                      <p:stCondLst>
-                        <p:cond delay="indefinite"/>
-                        <p:cond evt="onBegin" delay="0">
-                          <p:tn val="2"/>
-                        </p:cond>
-                      </p:stCondLst>
-                      <p:childTnLst>
-                        <p:par>
-                          <p:cTn id="4" fill="hold">
-                            <p:stCondLst>
-                              <p:cond delay="0"/>
-                            </p:stCondLst>
-                            <p:childTnLst>
-                              <p:par>
-                                <p:cTn id="5" presetID="42" presetClass="entr" presetSubtype="0" fill="hold" nodeType="withEffect">
-                                  <p:stCondLst>
-                                    <p:cond delay="0"/>
-                                  </p:stCondLst>
-                                  <p:childTnLst>
-                                    <p:set>
-                                      <p:cBhvr>
-                                        <p:cTn id="6" dur="1" fill="hold">
-                                          <p:stCondLst>
-                                            <p:cond delay="0"/>
-                                          </p:stCondLst>
-                                        </p:cTn>
-                                        <p:tgtEl>
-                                          <p:spTgt spid="11"/>
-                                        </p:tgtEl>
-                                        <p:attrNameLst>
-                                          <p:attrName>style.visibility</p:attrName>
-                                        </p:attrNameLst>
-                                      </p:cBhvr>
-                                      <p:to>
-                                        <p:strVal val="visible"/>
-                                      </p:to>
-                                    </p:set>
-                                    <p:animEffect transition="in" filter="fade">
-                                      <p:cBhvr>
-                                        <p:cTn id="7" dur="1000"/>
-                                        <p:tgtEl>
-                                          <p:spTgt spid="11"/>
-                                        </p:tgtEl>
-                                      </p:cBhvr>
-                                    </p:animEffect>
-                                    <p:anim calcmode="lin" valueType="num">
-                                      <p:cBhvr>
-                                        <p:cTn id="8" dur="1000" fill="hold"/>
-                                        <p:tgtEl>
-                                          <p:spTgt spid="11"/>
-                                        </p:tgtEl>
-                                        <p:attrNameLst>
-                                          <p:attrName>ppt_x</p:attrName>
-                                        </p:attrNameLst>
-                                      </p:cBhvr>
-                                      <p:tavLst>
-                                        <p:tav tm="0">
-                                          <p:val>
-                                            <p:strVal val="#ppt_x"/>
-                                          </p:val>
-                                        </p:tav>
-                                        <p:tav tm="100000">
-                                          <p:val>
-                                            <p:strVal val="#ppt_x"/>
-                                          </p:val>
-                                        </p:tav>
-                                      </p:tavLst>
-                                    </p:anim>
-                                    <p:anim calcmode="lin" valueType="num">
-                                      <p:cBhvr>
-                                        <p:cTn id="9" dur="1000" fill="hold"/>
-                                        <p:tgtEl>
-                                          <p:spTgt spid="11"/>
-                                        </p:tgtEl>
-                                        <p:attrNameLst>
-                                          <p:attrName>ppt_y</p:attrName>
-                                        </p:attrNameLst>
-                                      </p:cBhvr>
-                                      <p:tavLst>
-                                        <p:tav tm="0">
-                                          <p:val>
-                                            <p:strVal val="#ppt_y+.1"/>
-                                          </p:val>
-                                        </p:tav>
-                                        <p:tav tm="100000">
-                                          <p:val>
-                                            <p:strVal val="#ppt_y"/>
-                                          </p:val>
-                                        </p:tav>
-                                      </p:tavLst>
-                                    </p:anim>
-                                  </p:childTnLst>
-                                </p:cTn>
-                              </p:par>
-                              <p:par>
-                                <p:cTn id="10" presetID="42" presetClass="entr" presetSubtype="0" fill="hold" grpId="0" nodeType="withEffect">
-                                  <p:stCondLst>
-                                    <p:cond delay="0"/>
-                                  </p:stCondLst>
-                                  <p:childTnLst>
-                                    <p:set>
-                                      <p:cBhvr>
-                                        <p:cTn id="11" dur="1" fill="hold">
-                                          <p:stCondLst>
-                                            <p:cond delay="0"/>
-                                          </p:stCondLst>
-                                        </p:cTn>
-                                        <p:tgtEl>
-                                          <p:spTgt spid="12"/>
-                                        </p:tgtEl>
-                                        <p:attrNameLst>
-                                          <p:attrName>style.visibility</p:attrName>
-                                        </p:attrNameLst>
-                                      </p:cBhvr>
-                                      <p:to>
-                                        <p:strVal val="visible"/>
-                                      </p:to>
-                                    </p:set>
-                                    <p:animEffect transition="in" filter="fade">
-                                      <p:cBhvr>
-                                        <p:cTn id="12" dur="1000"/>
-                                        <p:tgtEl>
-                                          <p:spTgt spid="12"/>
-                                        </p:tgtEl>
-                                      </p:cBhvr>
-                                    </p:animEffect>
-                                    <p:anim calcmode="lin" valueType="num">
-                                      <p:cBhvr>
-                                        <p:cTn id="13" dur="1000" fill="hold"/>
-                                        <p:tgtEl>
-                                          <p:spTgt spid="12"/>
-                                        </p:tgtEl>
-                                        <p:attrNameLst>
-                                          <p:attrName>ppt_x</p:attrName>
-                                        </p:attrNameLst>
-                                      </p:cBhvr>
-                                      <p:tavLst>
-                                        <p:tav tm="0">
-                                          <p:val>
-                                            <p:strVal val="#ppt_x"/>
-                                          </p:val>
-                                        </p:tav>
-                                        <p:tav tm="100000">
-                                          <p:val>
-                                            <p:strVal val="#ppt_x"/>
-                                          </p:val>
-                                        </p:tav>
-                                      </p:tavLst>
-                                    </p:anim>
-                                    <p:anim calcmode="lin" valueType="num">
-                                      <p:cBhvr>
-                                        <p:cTn id="14" dur="1000" fill="hold"/>
-                                        <p:tgtEl>
-                                          <p:spTgt spid="12"/>
-                                        </p:tgtEl>
-                                        <p:attrNameLst>
-                                          <p:attrName>ppt_y</p:attrName>
-                                        </p:attrNameLst>
-                                      </p:cBhvr>
-                                      <p:tavLst>
-                                        <p:tav tm="0">
-                                          <p:val>
-                                            <p:strVal val="#ppt_y+.1"/>
-                                          </p:val>
-                                        </p:tav>
-                                        <p:tav tm="100000">
-                                          <p:val>
-                                            <p:strVal val="#ppt_y"/>
-                                          </p:val>
-                                        </p:tav>
-                                      </p:tavLst>
-                                    </p:anim>
-                                  </p:childTnLst>
-                                </p:cTn>
-                              </p:par>
-                            </p:childTnLst>
-                          </p:cTn>
-                        </p:par>
-                      </p:childTnLst>
-                    </p:cTn>
-                  </p:par>
-                </p:childTnLst>
-              </p:cTn>
-              <p:prevCondLst>
-                <p:cond evt="onPrev" delay="0">
-                  <p:tgtEl>
-                    <p:sldTgt/>
-                  </p:tgtEl>
-                </p:cond>
-              </p:prevCondLst>
-              <p:nextCondLst>
-                <p:cond evt="onNext" delay="0">
-                  <p:tgtEl>
-                    <p:sldTgt/>
-                  </p:tgtEl>
-                </p:cond>
-              </p:nextCondLst>
-            </p:seq>
-          </p:childTnLst>
-        </p:cTn>
-      </p:par>
-    </p:tnLst>
-    <p:bldLst>
-      <p:bldP spid="12" grpId="0"/>
-    </p:bldLst>
-  </p:timing>
 </p:sld>
 </file>
 

--- a/Презентация по производственной практике.pptx
+++ b/Презентация по производственной практике.pptx
@@ -4300,13 +4300,13 @@
   <p:clrMapOvr>
     <a:masterClrMapping/>
   </p:clrMapOvr>
-  <mc:AlternateContent xmlns:mc="http://schemas.openxmlformats.org/markup-compatibility/2006">
-    <mc:Choice xmlns:p14="http://schemas.microsoft.com/office/powerpoint/2010/main" Requires="p14">
+  <mc:AlternateContent xmlns:mc="http://schemas.openxmlformats.org/markup-compatibility/2006" xmlns:p14="http://schemas.microsoft.com/office/powerpoint/2010/main">
+    <mc:Choice Requires="p14">
       <p:transition spd="med" p14:dur="700">
         <p:fade/>
       </p:transition>
     </mc:Choice>
-    <mc:Fallback>
+    <mc:Fallback xmlns="">
       <p:transition spd="med">
         <p:fade/>
       </p:transition>
@@ -4833,7 +4833,15 @@
                 <a:latin typeface="Arial" pitchFamily="34" charset="0"/>
                 <a:cs typeface="Arial" pitchFamily="34" charset="0"/>
               </a:rPr>
-              <a:t>: https://github.com/IvanShvidko/Zadaniya/tree/PracticaPP11</a:t>
+              <a:t>: </a:t>
+            </a:r>
+            <a:r>
+              <a:rPr lang="en-US" dirty="0">
+                <a:latin typeface="Arial" pitchFamily="34" charset="0"/>
+                <a:cs typeface="Arial" pitchFamily="34" charset="0"/>
+                <a:hlinkClick r:id="rId2"/>
+              </a:rPr>
+              <a:t>https://github.com/IvanShvidko/Zadaniya/tree/PracticaPP11</a:t>
             </a:r>
             <a:endParaRPr lang="ru-RU" dirty="0">
               <a:latin typeface="Arial" pitchFamily="34" charset="0"/>

--- a/Презентация по производственной практике.pptx
+++ b/Презентация по производственной практике.pptx
@@ -5331,7 +5331,7 @@
         <p:spPr>
           <a:xfrm>
             <a:off x="961761" y="531092"/>
-            <a:ext cx="6864443" cy="584775"/>
+            <a:ext cx="3104376" cy="584775"/>
           </a:xfrm>
           <a:prstGeom prst="rect">
             <a:avLst/>
@@ -5348,7 +5348,7 @@
                 <a:latin typeface="Arial" panose="020B0604020202020204" pitchFamily="34" charset="0"/>
                 <a:cs typeface="Arial" panose="020B0604020202020204" pitchFamily="34" charset="0"/>
               </a:rPr>
-              <a:t>Цели и задачи учебной практики</a:t>
+              <a:t>Цели и задачи</a:t>
             </a:r>
           </a:p>
         </p:txBody>

--- a/Презентация по производственной практике.pptx
+++ b/Презентация по производственной практике.pptx
@@ -5368,7 +5368,7 @@
         <p:spPr>
           <a:xfrm>
             <a:off x="1226276" y="1290091"/>
-            <a:ext cx="10595666" cy="872034"/>
+            <a:ext cx="10595666" cy="1287532"/>
           </a:xfrm>
           <a:prstGeom prst="rect">
             <a:avLst/>
@@ -5390,8 +5390,19 @@
                 <a:latin typeface="Arial" pitchFamily="34" charset="0"/>
                 <a:cs typeface="Arial" pitchFamily="34" charset="0"/>
               </a:rPr>
-              <a:t>Целью является разработка и проектирование информационной системы, которая обеспечивала бы кадровый учёт сотрудников.</a:t>
-            </a:r>
+              <a:t>Целью является приобретение практических навыков работы в области создания, функционирования и использования систем управления базами данных.</a:t>
+            </a:r>
+          </a:p>
+          <a:p>
+            <a:pPr indent="450000" algn="just">
+              <a:lnSpc>
+                <a:spcPct val="150000"/>
+              </a:lnSpc>
+            </a:pPr>
+            <a:endParaRPr lang="ru-RU" dirty="0">
+              <a:latin typeface="Arial" pitchFamily="34" charset="0"/>
+              <a:cs typeface="Arial" pitchFamily="34" charset="0"/>
+            </a:endParaRPr>
           </a:p>
         </p:txBody>
       </p:sp>
@@ -5409,8 +5420,8 @@
         </p:nvSpPr>
         <p:spPr>
           <a:xfrm>
-            <a:off x="1226276" y="2336350"/>
-            <a:ext cx="10595666" cy="3365024"/>
+            <a:off x="1226276" y="2577623"/>
+            <a:ext cx="10595666" cy="2534027"/>
           </a:xfrm>
           <a:prstGeom prst="rect">
             <a:avLst/>
@@ -5432,7 +5443,7 @@
                 <a:latin typeface="Arial" pitchFamily="34" charset="0"/>
                 <a:cs typeface="Arial" pitchFamily="34" charset="0"/>
               </a:rPr>
-              <a:t>Основные задачи производственной практики:</a:t>
+              <a:t>Основные задачи :</a:t>
             </a:r>
           </a:p>
           <a:p>
@@ -5448,7 +5459,7 @@
                 <a:latin typeface="Arial" pitchFamily="34" charset="0"/>
                 <a:cs typeface="Arial" pitchFamily="34" charset="0"/>
               </a:rPr>
-              <a:t>Автоматизация кадрового учёта сотрудников: разработка структуры информационной базы для автоматизации мониторинга и кадрового учёта сотрудников организации.</a:t>
+              <a:t>Формирование у студента знаний, умений и навыков, профессиональных компетенций, профессионально значимых личностных качеств;</a:t>
             </a:r>
           </a:p>
           <a:p>
@@ -5464,23 +5475,7 @@
                 <a:latin typeface="Arial" pitchFamily="34" charset="0"/>
                 <a:cs typeface="Arial" pitchFamily="34" charset="0"/>
               </a:rPr>
-              <a:t>Управление кадрового учёта сотрудников: реализация функционала по управлению данными о сотрудниках, включая приём на работу и увольнение.</a:t>
-            </a:r>
-          </a:p>
-          <a:p>
-            <a:pPr lvl="0" indent="285750" algn="just">
-              <a:lnSpc>
-                <a:spcPct val="150000"/>
-              </a:lnSpc>
-              <a:buFont typeface="Arial" panose="020B0604020202020204" pitchFamily="34" charset="0"/>
-              <a:buChar char="•"/>
-            </a:pPr>
-            <a:r>
-              <a:rPr lang="ru-RU" dirty="0">
-                <a:latin typeface="Arial" pitchFamily="34" charset="0"/>
-                <a:cs typeface="Arial" pitchFamily="34" charset="0"/>
-              </a:rPr>
-              <a:t>Обеспечение безопасности данных: разработка системы аутентификации и авторизации пользователей, обеспечение защиты данных от несанкционированного доступа, создания резервной копии и восстановления данных.</a:t>
+              <a:t>Развитие профессионального интереса, формирование мотивационно-целостного отношения к профессиональной деятельности, готовности к выполнению профессиональных задач в соответствии с нормами морали, профессиональной этики и служебного этикета.</a:t>
             </a:r>
           </a:p>
         </p:txBody>

--- a/Презентация по производственной практике.pptx
+++ b/Презентация по производственной практике.pptx
@@ -6801,7 +6801,7 @@
 <file path=ppt/theme/theme1.xml><?xml version="1.0" encoding="utf-8"?>
 <a:theme xmlns:a="http://schemas.openxmlformats.org/drawingml/2006/main" name="Уголки">
   <a:themeElements>
-    <a:clrScheme name="Литейная">
+    <a:clrScheme name="Красный и оранжевый">
       <a:dk1>
         <a:sysClr val="windowText" lastClr="000000"/>
       </a:dk1>
@@ -6809,34 +6809,34 @@
         <a:sysClr val="window" lastClr="FFFFFF"/>
       </a:lt1>
       <a:dk2>
-        <a:srgbClr val="676A55"/>
+        <a:srgbClr val="505046"/>
       </a:dk2>
       <a:lt2>
-        <a:srgbClr val="EAEBDE"/>
+        <a:srgbClr val="EEECE1"/>
       </a:lt2>
       <a:accent1>
-        <a:srgbClr val="72A376"/>
+        <a:srgbClr val="E84C22"/>
       </a:accent1>
       <a:accent2>
-        <a:srgbClr val="B0CCB0"/>
+        <a:srgbClr val="FFBD47"/>
       </a:accent2>
       <a:accent3>
-        <a:srgbClr val="A8CDD7"/>
+        <a:srgbClr val="B64926"/>
       </a:accent3>
       <a:accent4>
-        <a:srgbClr val="C0BEAF"/>
+        <a:srgbClr val="FF8427"/>
       </a:accent4>
       <a:accent5>
-        <a:srgbClr val="CEC597"/>
+        <a:srgbClr val="CC9900"/>
       </a:accent5>
       <a:accent6>
-        <a:srgbClr val="E8B7B7"/>
+        <a:srgbClr val="B22600"/>
       </a:accent6>
       <a:hlink>
-        <a:srgbClr val="DB5353"/>
+        <a:srgbClr val="CC9900"/>
       </a:hlink>
       <a:folHlink>
-        <a:srgbClr val="903638"/>
+        <a:srgbClr val="666699"/>
       </a:folHlink>
     </a:clrScheme>
     <a:fontScheme name="Уголки">
